--- a/2013180051_신동호_1차_발표_자료..pptx
+++ b/2013180051_신동호_1차_발표_자료..pptx
@@ -771,7 +771,7 @@
           <a:p>
             <a:fld id="{9A712AD0-B9C5-4183-9034-D7622F41535A}" type="datetimeFigureOut">
               <a:rPr lang="ko-KR" altLang="en-US" smtClean="0"/>
-              <a:t>2015-09-30</a:t>
+              <a:t>2015-09-21</a:t>
             </a:fld>
             <a:endParaRPr lang="ko-KR" altLang="en-US"/>
           </a:p>
@@ -954,7 +954,7 @@
           <a:p>
             <a:fld id="{9A712AD0-B9C5-4183-9034-D7622F41535A}" type="datetimeFigureOut">
               <a:rPr lang="ko-KR" altLang="en-US" smtClean="0"/>
-              <a:t>2015-09-30</a:t>
+              <a:t>2015-09-21</a:t>
             </a:fld>
             <a:endParaRPr lang="ko-KR" altLang="en-US"/>
           </a:p>
@@ -1129,7 +1129,7 @@
           <a:p>
             <a:fld id="{9A712AD0-B9C5-4183-9034-D7622F41535A}" type="datetimeFigureOut">
               <a:rPr lang="ko-KR" altLang="en-US" smtClean="0"/>
-              <a:t>2015-09-30</a:t>
+              <a:t>2015-09-21</a:t>
             </a:fld>
             <a:endParaRPr lang="ko-KR" altLang="en-US"/>
           </a:p>
@@ -1294,7 +1294,7 @@
           <a:p>
             <a:fld id="{9A712AD0-B9C5-4183-9034-D7622F41535A}" type="datetimeFigureOut">
               <a:rPr lang="ko-KR" altLang="en-US" smtClean="0"/>
-              <a:t>2015-09-30</a:t>
+              <a:t>2015-09-21</a:t>
             </a:fld>
             <a:endParaRPr lang="ko-KR" altLang="en-US"/>
           </a:p>
@@ -1515,7 +1515,7 @@
           <a:p>
             <a:fld id="{9A712AD0-B9C5-4183-9034-D7622F41535A}" type="datetimeFigureOut">
               <a:rPr lang="ko-KR" altLang="en-US" smtClean="0"/>
-              <a:t>2015-09-30</a:t>
+              <a:t>2015-09-21</a:t>
             </a:fld>
             <a:endParaRPr lang="ko-KR" altLang="en-US"/>
           </a:p>
@@ -1774,7 +1774,7 @@
           <a:p>
             <a:fld id="{9A712AD0-B9C5-4183-9034-D7622F41535A}" type="datetimeFigureOut">
               <a:rPr lang="ko-KR" altLang="en-US" smtClean="0"/>
-              <a:t>2015-09-30</a:t>
+              <a:t>2015-09-21</a:t>
             </a:fld>
             <a:endParaRPr lang="ko-KR" altLang="en-US"/>
           </a:p>
@@ -2178,7 +2178,7 @@
           <a:p>
             <a:fld id="{9A712AD0-B9C5-4183-9034-D7622F41535A}" type="datetimeFigureOut">
               <a:rPr lang="ko-KR" altLang="en-US" smtClean="0"/>
-              <a:t>2015-09-30</a:t>
+              <a:t>2015-09-21</a:t>
             </a:fld>
             <a:endParaRPr lang="ko-KR" altLang="en-US"/>
           </a:p>
@@ -2309,7 +2309,7 @@
           <a:p>
             <a:fld id="{9A712AD0-B9C5-4183-9034-D7622F41535A}" type="datetimeFigureOut">
               <a:rPr lang="ko-KR" altLang="en-US" smtClean="0"/>
-              <a:t>2015-09-30</a:t>
+              <a:t>2015-09-21</a:t>
             </a:fld>
             <a:endParaRPr lang="ko-KR" altLang="en-US"/>
           </a:p>
@@ -2409,7 +2409,7 @@
           <a:p>
             <a:fld id="{9A712AD0-B9C5-4183-9034-D7622F41535A}" type="datetimeFigureOut">
               <a:rPr lang="ko-KR" altLang="en-US" smtClean="0"/>
-              <a:t>2015-09-30</a:t>
+              <a:t>2015-09-21</a:t>
             </a:fld>
             <a:endParaRPr lang="ko-KR" altLang="en-US"/>
           </a:p>
@@ -2654,7 +2654,7 @@
           <a:p>
             <a:fld id="{9A712AD0-B9C5-4183-9034-D7622F41535A}" type="datetimeFigureOut">
               <a:rPr lang="ko-KR" altLang="en-US" smtClean="0"/>
-              <a:t>2015-09-30</a:t>
+              <a:t>2015-09-21</a:t>
             </a:fld>
             <a:endParaRPr lang="ko-KR" altLang="en-US"/>
           </a:p>
@@ -2898,7 +2898,7 @@
           <a:p>
             <a:fld id="{9A712AD0-B9C5-4183-9034-D7622F41535A}" type="datetimeFigureOut">
               <a:rPr lang="ko-KR" altLang="en-US" smtClean="0"/>
-              <a:t>2015-09-30</a:t>
+              <a:t>2015-09-21</a:t>
             </a:fld>
             <a:endParaRPr lang="ko-KR" altLang="en-US"/>
           </a:p>
@@ -3722,7 +3722,7 @@
           <a:p>
             <a:fld id="{9A712AD0-B9C5-4183-9034-D7622F41535A}" type="datetimeFigureOut">
               <a:rPr lang="ko-KR" altLang="en-US" smtClean="0"/>
-              <a:t>2015-09-30</a:t>
+              <a:t>2015-09-21</a:t>
             </a:fld>
             <a:endParaRPr lang="ko-KR" altLang="en-US"/>
           </a:p>
@@ -4929,7 +4929,7 @@
             <p:ph idx="1"/>
             <p:extLst>
               <p:ext uri="{D42A27DB-BD31-4B8C-83A1-F6EECF244321}">
-                <p14:modId xmlns:p14="http://schemas.microsoft.com/office/powerpoint/2010/main" val="3254004106"/>
+                <p14:modId xmlns:p14="http://schemas.microsoft.com/office/powerpoint/2010/main" val="1024351613"/>
               </p:ext>
             </p:extLst>
           </p:nvPr>
@@ -5229,13 +5229,8 @@
                       </a:r>
                       <a:r>
                         <a:rPr lang="en-US" altLang="ko-KR" sz="1400" dirty="0" smtClean="0"/>
-                        <a:t>, </a:t>
-                      </a:r>
-                      <a:r>
-                        <a:rPr lang="ko-KR" altLang="en-US" sz="1400" dirty="0" err="1" smtClean="0"/>
-                        <a:t>점수판</a:t>
-                      </a:r>
-                      <a:endParaRPr lang="en-US" altLang="ko-KR" sz="1400" dirty="0" smtClean="0"/>
+                        <a:t>,</a:t>
+                      </a:r>
                     </a:p>
                     <a:p>
                       <a:pPr latinLnBrk="1"/>
@@ -5259,8 +5254,16 @@
                         <a:t> </a:t>
                       </a:r>
                       <a:r>
+                        <a:rPr lang="ko-KR" altLang="en-US" sz="1400" dirty="0" err="1" smtClean="0"/>
+                        <a:t>점수판</a:t>
+                      </a:r>
+                      <a:r>
+                        <a:rPr lang="ko-KR" altLang="en-US" sz="1400" dirty="0" smtClean="0"/>
+                        <a:t> 추가</a:t>
+                      </a:r>
+                      <a:r>
                         <a:rPr lang="en-US" altLang="ko-KR" sz="1400" dirty="0" smtClean="0"/>
-                        <a:t> </a:t>
+                        <a:t>, </a:t>
                       </a:r>
                       <a:r>
                         <a:rPr lang="ko-KR" altLang="en-US" sz="1400" dirty="0" smtClean="0"/>
@@ -5641,7 +5644,7 @@
             <p:ph idx="1"/>
             <p:extLst>
               <p:ext uri="{D42A27DB-BD31-4B8C-83A1-F6EECF244321}">
-                <p14:modId xmlns:p14="http://schemas.microsoft.com/office/powerpoint/2010/main" val="3785338468"/>
+                <p14:modId xmlns:p14="http://schemas.microsoft.com/office/powerpoint/2010/main" val="32020891"/>
               </p:ext>
             </p:extLst>
           </p:nvPr>
@@ -5793,23 +5796,7 @@
                     <a:bodyPr/>
                     <a:lstStyle/>
                     <a:p>
-                      <a:pPr marL="0" marR="0" indent="0" algn="l" defTabSz="914400" rtl="0" eaLnBrk="1" fontAlgn="auto" latinLnBrk="1" hangingPunct="1">
-                        <a:lnSpc>
-                          <a:spcPct val="100000"/>
-                        </a:lnSpc>
-                        <a:spcBef>
-                          <a:spcPts val="0"/>
-                        </a:spcBef>
-                        <a:spcAft>
-                          <a:spcPts val="0"/>
-                        </a:spcAft>
-                        <a:buClrTx/>
-                        <a:buSzTx/>
-                        <a:buFontTx/>
-                        <a:buNone/>
-                        <a:tabLst/>
-                        <a:defRPr/>
-                      </a:pPr>
+                      <a:pPr latinLnBrk="1"/>
                       <a:r>
                         <a:rPr lang="ko-KR" altLang="en-US" dirty="0" smtClean="0"/>
                         <a:t>배경 </a:t>
@@ -5828,20 +5815,9 @@
                       </a:r>
                       <a:r>
                         <a:rPr lang="ko-KR" altLang="en-US" dirty="0" smtClean="0"/>
-                        <a:t> </a:t>
-                      </a:r>
-                      <a:r>
-                        <a:rPr lang="ko-KR" altLang="en-US" dirty="0" smtClean="0"/>
-                        <a:t>사각형 </a:t>
-                      </a:r>
-                      <a:r>
-                        <a:rPr lang="ko-KR" altLang="en-US" dirty="0" err="1" smtClean="0"/>
-                        <a:t>맵</a:t>
-                      </a:r>
-                      <a:r>
-                        <a:rPr lang="ko-KR" altLang="en-US" dirty="0" smtClean="0"/>
-                        <a:t> 구현</a:t>
-                      </a:r>
+                        <a:t> 장애물 구현</a:t>
+                      </a:r>
+                      <a:endParaRPr lang="ko-KR" altLang="en-US" dirty="0"/>
                     </a:p>
                   </a:txBody>
                   <a:tcPr/>
@@ -5875,7 +5851,15 @@
                       <a:pPr latinLnBrk="1"/>
                       <a:r>
                         <a:rPr lang="ko-KR" altLang="en-US" dirty="0" smtClean="0"/>
-                        <a:t>장애물 구현</a:t>
+                        <a:t>캐릭터</a:t>
+                      </a:r>
+                      <a:r>
+                        <a:rPr lang="en-US" altLang="ko-KR" dirty="0" smtClean="0"/>
+                        <a:t>- </a:t>
+                      </a:r>
+                      <a:r>
+                        <a:rPr lang="ko-KR" altLang="en-US" dirty="0" smtClean="0"/>
+                        <a:t> 충돌구현</a:t>
                       </a:r>
                       <a:endParaRPr lang="ko-KR" altLang="en-US" dirty="0"/>
                     </a:p>
@@ -5910,16 +5894,12 @@
                     <a:p>
                       <a:pPr latinLnBrk="1"/>
                       <a:r>
+                        <a:rPr lang="ko-KR" altLang="en-US" dirty="0" err="1" smtClean="0"/>
+                        <a:t>맵</a:t>
+                      </a:r>
+                      <a:r>
                         <a:rPr lang="ko-KR" altLang="en-US" dirty="0" smtClean="0"/>
-                        <a:t>캐릭터</a:t>
-                      </a:r>
-                      <a:r>
-                        <a:rPr lang="en-US" altLang="ko-KR" dirty="0" smtClean="0"/>
-                        <a:t>- </a:t>
-                      </a:r>
-                      <a:r>
-                        <a:rPr lang="ko-KR" altLang="en-US" smtClean="0"/>
-                        <a:t> 충돌구현</a:t>
+                        <a:t> 회전 구현</a:t>
                       </a:r>
                       <a:endParaRPr lang="ko-KR" altLang="en-US" dirty="0"/>
                     </a:p>
